--- a/NLP系列/ppt/AI-Agents.pptx
+++ b/NLP系列/ppt/AI-Agents.pptx
@@ -7,11 +7,12 @@
   <p:sldIdLst>
     <p:sldId id="256" r:id="rId3"/>
     <p:sldId id="257" r:id="rId4"/>
+    <p:sldId id="258" r:id="rId5"/>
   </p:sldIdLst>
   <p:sldSz cx="12192000" cy="6858000"/>
   <p:notesSz cx="6858000" cy="9144000"/>
   <p:custDataLst>
-    <p:tags r:id="rId8"/>
+    <p:tags r:id="rId9"/>
   </p:custDataLst>
   <p:defaultTextStyle>
     <a:defPPr>
@@ -3040,6 +3041,24 @@
 </p:sld>
 </file>
 
+<file path=ppt/slides/slide3.xml><?xml version="1.0" encoding="utf-8"?>
+<p:sld xmlns:a="http://schemas.openxmlformats.org/drawingml/2006/main" xmlns:r="http://schemas.openxmlformats.org/officeDocument/2006/relationships" xmlns:p="http://schemas.openxmlformats.org/presentationml/2006/main">
+  <p:cSld>
+    <p:spTree>
+      <p:nvGrpSpPr>
+        <p:cNvPr id="1" name=""/>
+        <p:cNvGrpSpPr/>
+        <p:nvPr/>
+      </p:nvGrpSpPr>
+      <p:grpSpPr/>
+    </p:spTree>
+  </p:cSld>
+  <p:clrMapOvr>
+    <a:masterClrMapping/>
+  </p:clrMapOvr>
+</p:sld>
+</file>
+
 <file path=ppt/tags/tag1.xml><?xml version="1.0" encoding="utf-8"?>
 <p:tagLst xmlns:p="http://schemas.openxmlformats.org/presentationml/2006/main">
   <p:tag name="commondata" val="eyJoZGlkIjoiNjIxMGI2NjViMDZkMWZhMDM1MzQ4OWRlODFjNTcwZTIifQ=="/>
